--- a/Deliverable-1/TeamD_Project_Presentation_Slim.pptx
+++ b/Deliverable-1/TeamD_Project_Presentation_Slim.pptx
@@ -24,12 +24,12 @@
   <p:notesSz cx="6858000" cy="9144000"/>
   <p:embeddedFontLst>
     <p:embeddedFont>
-      <p:font typeface="Comfortaa" panose="020B0604020202020204" charset="0"/>
+      <p:font typeface="Comfortaa" pitchFamily="2" charset="0"/>
       <p:regular r:id="rId14"/>
       <p:bold r:id="rId15"/>
     </p:embeddedFont>
     <p:embeddedFont>
-      <p:font typeface="Trebuchet MS" panose="020B0603020202020204" pitchFamily="34" charset="0"/>
+      <p:font typeface="Trebuchet MS" panose="020B0703020202090204" pitchFamily="34" charset="0"/>
       <p:regular r:id="rId16"/>
       <p:bold r:id="rId17"/>
       <p:italic r:id="rId18"/>
@@ -281,7 +281,7 @@
       </p15:sldGuideLst>
     </p:ext>
     <p:ext uri="http://customooxmlschemas.google.com/">
-      <go:slidesCustomData xmlns="" xmlns:mc="http://schemas.openxmlformats.org/markup-compatibility/2006" xmlns:mv="urn:schemas-microsoft-com:mac:vml" xmlns:c="http://schemas.openxmlformats.org/drawingml/2006/chart" xmlns:dgm="http://schemas.openxmlformats.org/drawingml/2006/diagram" xmlns:o="urn:schemas-microsoft-com:office:office" xmlns:v="urn:schemas-microsoft-com:vml" xmlns:pvml="urn:schemas-microsoft-com:office:powerpoint" xmlns:com="http://schemas.openxmlformats.org/drawingml/2006/compatibility" xmlns:p14="http://schemas.microsoft.com/office/powerpoint/2010/main" xmlns:p15="http://schemas.microsoft.com/office/powerpoint/2012/main" xmlns:ahyp="http://schemas.microsoft.com/office/drawing/2018/hyperlinkcolor" xmlns:go="http://customooxmlschemas.google.com/" r:id="rId26" roundtripDataSignature="AMtx7miz0JBwe41R2D/3k73OWmbgNwOuwg=="/>
+      <go:slidesCustomData xmlns:go="http://customooxmlschemas.google.com/" xmlns:ahyp="http://schemas.microsoft.com/office/drawing/2018/hyperlinkcolor" xmlns:p15="http://schemas.microsoft.com/office/powerpoint/2012/main" xmlns:p14="http://schemas.microsoft.com/office/powerpoint/2010/main" xmlns:com="http://schemas.openxmlformats.org/drawingml/2006/compatibility" xmlns:pvml="urn:schemas-microsoft-com:office:powerpoint" xmlns:v="urn:schemas-microsoft-com:vml" xmlns:o="urn:schemas-microsoft-com:office:office" xmlns:dgm="http://schemas.openxmlformats.org/drawingml/2006/diagram" xmlns:c="http://schemas.openxmlformats.org/drawingml/2006/chart" xmlns:mv="urn:schemas-microsoft-com:mac:vml" xmlns:mc="http://schemas.openxmlformats.org/markup-compatibility/2006" xmlns="" r:id="rId26" roundtripDataSignature="AMtx7miz0JBwe41R2D/3k73OWmbgNwOuwg=="/>
     </p:ext>
   </p:extLst>
 </p:presentation>
@@ -21229,7 +21229,7 @@
                 <a:sym typeface="Comfortaa"/>
               </a:rPr>
             </a:br>
-            <a:endParaRPr sz="2100" b="1">
+            <a:endParaRPr sz="2100" b="1" dirty="0">
               <a:solidFill>
                 <a:srgbClr val="000000"/>
               </a:solidFill>
@@ -21325,7 +21325,7 @@
               </a:rPr>
               <a:t>Summer 2020</a:t>
             </a:r>
-            <a:endParaRPr sz="1600" b="1">
+            <a:endParaRPr sz="1600" b="1" dirty="0">
               <a:solidFill>
                 <a:srgbClr val="000000"/>
               </a:solidFill>
@@ -21362,7 +21362,7 @@
               </a:rPr>
             </a:br>
             <a:r>
-              <a:rPr lang="en-US" sz="1600" b="1" dirty="0" err="1">
+              <a:rPr lang="en-US" sz="1600" b="1" dirty="0">
                 <a:solidFill>
                   <a:srgbClr val="000000"/>
                 </a:solidFill>
@@ -21371,19 +21371,7 @@
                 <a:cs typeface="Comfortaa"/>
                 <a:sym typeface="Comfortaa"/>
               </a:rPr>
-              <a:t>Github</a:t>
-            </a:r>
-            <a:r>
-              <a:rPr lang="en-US" sz="1600" b="1" dirty="0">
-                <a:solidFill>
-                  <a:srgbClr val="000000"/>
-                </a:solidFill>
-                <a:latin typeface="+mn-lt"/>
-                <a:ea typeface="Comfortaa"/>
-                <a:cs typeface="Comfortaa"/>
-                <a:sym typeface="Comfortaa"/>
-              </a:rPr>
-              <a:t> URL</a:t>
+              <a:t>GitHub URL</a:t>
             </a:r>
             <a:r>
               <a:rPr lang="en-US" sz="1600" b="1" dirty="0">
@@ -21453,7 +21441,7 @@
               </a:rPr>
               <a:t>http://sestopia-d.epizy.com/?i=1</a:t>
             </a:r>
-            <a:endParaRPr sz="1600" b="1">
+            <a:endParaRPr sz="1600" b="1" dirty="0">
               <a:solidFill>
                 <a:schemeClr val="accent6">
                   <a:lumMod val="75000"/>
@@ -21483,7 +21471,7 @@
               <a:buFont typeface="Trebuchet MS"/>
               <a:buNone/>
             </a:pPr>
-            <a:endParaRPr sz="1800"/>
+            <a:endParaRPr sz="1800" dirty="0"/>
           </a:p>
         </p:txBody>
       </p:sp>
@@ -21633,8 +21621,8 @@
         </p:nvSpPr>
         <p:spPr>
           <a:xfrm>
-            <a:off x="151300" y="787050"/>
-            <a:ext cx="10426800" cy="5254200"/>
+            <a:off x="0" y="941302"/>
+            <a:ext cx="11438720" cy="5465160"/>
           </a:xfrm>
           <a:prstGeom prst="rect">
             <a:avLst/>
@@ -21663,7 +21651,7 @@
               <a:buSzPts val="1440"/>
               <a:buNone/>
             </a:pPr>
-            <a:endParaRPr sz="2000">
+            <a:endParaRPr sz="2000" dirty="0">
               <a:solidFill>
                 <a:schemeClr val="dk1"/>
               </a:solidFill>
@@ -21688,22 +21676,35 @@
                 <a:solidFill>
                   <a:schemeClr val="dk1"/>
                 </a:solidFill>
+                <a:latin typeface="Trebuchet MS" panose="020B0703020202090204" pitchFamily="34" charset="0"/>
               </a:rPr>
               <a:t>[1] </a:t>
             </a:r>
             <a:r>
-              <a:rPr lang="en-US" sz="2000" u="sng" dirty="0">
-                <a:solidFill>
-                  <a:srgbClr val="7F6000"/>
-                </a:solidFill>
-                <a:hlinkClick r:id="rId3"/>
+              <a:rPr lang="en-US" sz="2000" dirty="0">
+                <a:solidFill>
+                  <a:schemeClr val="accent3">
+                    <a:lumMod val="75000"/>
+                  </a:schemeClr>
+                </a:solidFill>
+                <a:latin typeface="Trebuchet MS" panose="020B0703020202090204" pitchFamily="34" charset="0"/>
+                <a:hlinkClick r:id="rId3">
+                  <a:extLst>
+                    <a:ext uri="{A12FA001-AC4F-418D-AE19-62706E023703}">
+                      <ahyp:hlinkClr xmlns:ahyp="http://schemas.microsoft.com/office/drawing/2018/hyperlinkcolor" val="tx"/>
+                    </a:ext>
+                  </a:extLst>
+                </a:hlinkClick>
               </a:rPr>
               <a:t>https://www.potential.com/articles/project-scope/</a:t>
             </a:r>
-            <a:endParaRPr sz="2000">
+            <a:endParaRPr sz="2000" dirty="0">
               <a:solidFill>
-                <a:srgbClr val="7F6000"/>
+                <a:schemeClr val="accent3">
+                  <a:lumMod val="75000"/>
+                </a:schemeClr>
               </a:solidFill>
+              <a:latin typeface="Trebuchet MS" panose="020B0703020202090204" pitchFamily="34" charset="0"/>
             </a:endParaRPr>
           </a:p>
           <a:p>
@@ -21721,22 +21722,36 @@
               <a:buNone/>
             </a:pPr>
             <a:r>
-              <a:rPr lang="en-US" sz="2000" dirty="0"/>
+              <a:rPr lang="en-US" sz="2000" dirty="0">
+                <a:latin typeface="Trebuchet MS" panose="020B0703020202090204" pitchFamily="34" charset="0"/>
+              </a:rPr>
               <a:t>[2] </a:t>
             </a:r>
             <a:r>
-              <a:rPr lang="en-US" sz="2000" u="sng" dirty="0">
-                <a:solidFill>
-                  <a:srgbClr val="7F6000"/>
-                </a:solidFill>
-                <a:hlinkClick r:id="rId4"/>
+              <a:rPr lang="en-US" sz="2000" dirty="0">
+                <a:solidFill>
+                  <a:schemeClr val="accent3">
+                    <a:lumMod val="75000"/>
+                  </a:schemeClr>
+                </a:solidFill>
+                <a:latin typeface="Trebuchet MS" panose="020B0703020202090204" pitchFamily="34" charset="0"/>
+                <a:hlinkClick r:id="rId4">
+                  <a:extLst>
+                    <a:ext uri="{A12FA001-AC4F-418D-AE19-62706E023703}">
+                      <ahyp:hlinkClr xmlns:ahyp="http://schemas.microsoft.com/office/drawing/2018/hyperlinkcolor" val="tx"/>
+                    </a:ext>
+                  </a:extLst>
+                </a:hlinkClick>
               </a:rPr>
               <a:t>https://www.pmi.org/learning/library/five-elements-process-oriented-project-6946</a:t>
             </a:r>
-            <a:endParaRPr sz="2000">
+            <a:endParaRPr sz="2000" dirty="0">
               <a:solidFill>
-                <a:srgbClr val="7F6000"/>
+                <a:schemeClr val="accent3">
+                  <a:lumMod val="75000"/>
+                </a:schemeClr>
               </a:solidFill>
+              <a:latin typeface="Trebuchet MS" panose="020B0703020202090204" pitchFamily="34" charset="0"/>
             </a:endParaRPr>
           </a:p>
           <a:p>
@@ -21758,6 +21773,7 @@
                 <a:solidFill>
                   <a:srgbClr val="000000"/>
                 </a:solidFill>
+                <a:latin typeface="Trebuchet MS" panose="020B0703020202090204" pitchFamily="34" charset="0"/>
               </a:rPr>
               <a:t>[3]</a:t>
             </a:r>
@@ -21766,22 +21782,35 @@
                 <a:solidFill>
                   <a:srgbClr val="7F6000"/>
                 </a:solidFill>
+                <a:latin typeface="Trebuchet MS" panose="020B0703020202090204" pitchFamily="34" charset="0"/>
               </a:rPr>
               <a:t> </a:t>
             </a:r>
             <a:r>
-              <a:rPr lang="en-US" sz="2000" u="sng" dirty="0">
-                <a:solidFill>
-                  <a:srgbClr val="7F6000"/>
-                </a:solidFill>
-                <a:hlinkClick r:id="rId5"/>
+              <a:rPr lang="en-US" sz="2000" dirty="0">
+                <a:solidFill>
+                  <a:schemeClr val="accent3">
+                    <a:lumMod val="75000"/>
+                  </a:schemeClr>
+                </a:solidFill>
+                <a:latin typeface="Trebuchet MS" panose="020B0703020202090204" pitchFamily="34" charset="0"/>
+                <a:hlinkClick r:id="rId5">
+                  <a:extLst>
+                    <a:ext uri="{A12FA001-AC4F-418D-AE19-62706E023703}">
+                      <ahyp:hlinkClr xmlns:ahyp="http://schemas.microsoft.com/office/drawing/2018/hyperlinkcolor" val="tx"/>
+                    </a:ext>
+                  </a:extLst>
+                </a:hlinkClick>
               </a:rPr>
               <a:t>https://en.wikipedia.org/wiki/HTML</a:t>
             </a:r>
-            <a:endParaRPr sz="2000">
+            <a:endParaRPr sz="2000" dirty="0">
               <a:solidFill>
-                <a:srgbClr val="7F6000"/>
+                <a:schemeClr val="accent3">
+                  <a:lumMod val="75000"/>
+                </a:schemeClr>
               </a:solidFill>
+              <a:latin typeface="Trebuchet MS" panose="020B0703020202090204" pitchFamily="34" charset="0"/>
             </a:endParaRPr>
           </a:p>
           <a:p>
@@ -21807,22 +21836,35 @@
                 <a:solidFill>
                   <a:schemeClr val="dk1"/>
                 </a:solidFill>
+                <a:latin typeface="Trebuchet MS" panose="020B0703020202090204" pitchFamily="34" charset="0"/>
               </a:rPr>
               <a:t>[4] </a:t>
             </a:r>
             <a:r>
-              <a:rPr lang="en-US" sz="2000" u="sng" dirty="0">
-                <a:solidFill>
-                  <a:srgbClr val="7F6000"/>
-                </a:solidFill>
-                <a:hlinkClick r:id="rId6"/>
+              <a:rPr lang="en-US" sz="2000" dirty="0">
+                <a:solidFill>
+                  <a:schemeClr val="accent3">
+                    <a:lumMod val="75000"/>
+                  </a:schemeClr>
+                </a:solidFill>
+                <a:latin typeface="Trebuchet MS" panose="020B0703020202090204" pitchFamily="34" charset="0"/>
+                <a:hlinkClick r:id="rId6">
+                  <a:extLst>
+                    <a:ext uri="{A12FA001-AC4F-418D-AE19-62706E023703}">
+                      <ahyp:hlinkClr xmlns:ahyp="http://schemas.microsoft.com/office/drawing/2018/hyperlinkcolor" val="tx"/>
+                    </a:ext>
+                  </a:extLst>
+                </a:hlinkClick>
               </a:rPr>
               <a:t>https://en.wikipedia.org/wiki/Font_Awesome</a:t>
             </a:r>
-            <a:endParaRPr lang="en-US" sz="2000" u="sng" dirty="0">
+            <a:endParaRPr lang="en-US" sz="2000" dirty="0">
               <a:solidFill>
-                <a:srgbClr val="7F6000"/>
+                <a:schemeClr val="accent3">
+                  <a:lumMod val="75000"/>
+                </a:schemeClr>
               </a:solidFill>
+              <a:latin typeface="Trebuchet MS" panose="020B0703020202090204" pitchFamily="34" charset="0"/>
             </a:endParaRPr>
           </a:p>
           <a:p>
@@ -21833,23 +21875,39 @@
               <a:buNone/>
             </a:pPr>
             <a:r>
-              <a:rPr lang="en-US" sz="2000" u="sng" dirty="0">
+              <a:rPr lang="en-US" sz="2000" dirty="0">
                 <a:solidFill>
                   <a:schemeClr val="tx1"/>
                 </a:solidFill>
+                <a:latin typeface="Trebuchet MS" panose="020B0703020202090204" pitchFamily="34" charset="0"/>
               </a:rPr>
-              <a:t>[5]</a:t>
+              <a:t>[5] </a:t>
             </a:r>
             <a:r>
               <a:rPr lang="en-IN" sz="2000" dirty="0">
-                <a:hlinkClick r:id="rId7"/>
+                <a:solidFill>
+                  <a:schemeClr val="accent3">
+                    <a:lumMod val="75000"/>
+                  </a:schemeClr>
+                </a:solidFill>
+                <a:latin typeface="Trebuchet MS" panose="020B0703020202090204" pitchFamily="34" charset="0"/>
+                <a:hlinkClick r:id="rId7">
+                  <a:extLst>
+                    <a:ext uri="{A12FA001-AC4F-418D-AE19-62706E023703}">
+                      <ahyp:hlinkClr xmlns:ahyp="http://schemas.microsoft.com/office/drawing/2018/hyperlinkcolor" val="tx"/>
+                    </a:ext>
+                  </a:extLst>
+                </a:hlinkClick>
               </a:rPr>
               <a:t>https://blog.lucidmeetings.com/blog/how-to-lead-a-successful-project-retrospective-meeting</a:t>
             </a:r>
-            <a:endParaRPr sz="2000">
+            <a:endParaRPr sz="2000" dirty="0">
               <a:solidFill>
-                <a:srgbClr val="000000"/>
+                <a:schemeClr val="accent3">
+                  <a:lumMod val="75000"/>
+                </a:schemeClr>
               </a:solidFill>
+              <a:latin typeface="Trebuchet MS" panose="020B0703020202090204" pitchFamily="34" charset="0"/>
             </a:endParaRPr>
           </a:p>
           <a:p>
@@ -21857,11 +21915,11 @@
               <a:buNone/>
             </a:pPr>
             <a:r>
-              <a:rPr lang="en-IN" sz="2000" b="1" dirty="0">
+              <a:rPr lang="en-IN" sz="2000" dirty="0">
                 <a:solidFill>
                   <a:schemeClr val="dk1"/>
                 </a:solidFill>
-                <a:latin typeface="Times New Roman"/>
+                <a:latin typeface="Trebuchet MS" panose="020B0703020202090204" pitchFamily="34" charset="0"/>
                 <a:ea typeface="Times New Roman"/>
                 <a:cs typeface="Times New Roman"/>
                 <a:sym typeface="Times New Roman"/>
@@ -21869,22 +21927,42 @@
               <a:t>[6]</a:t>
             </a:r>
             <a:r>
-              <a:rPr lang="en-IN" sz="2000" b="1" dirty="0">
-                <a:hlinkClick r:id="rId8"/>
+              <a:rPr lang="en-IN" sz="2000" dirty="0">
+                <a:solidFill>
+                  <a:srgbClr val="CC9900"/>
+                </a:solidFill>
+                <a:latin typeface="Trebuchet MS" panose="020B0703020202090204" pitchFamily="34" charset="0"/>
+                <a:ea typeface="Times New Roman"/>
+                <a:cs typeface="Times New Roman"/>
+                <a:sym typeface="Times New Roman"/>
               </a:rPr>
               <a:t> </a:t>
             </a:r>
             <a:r>
               <a:rPr lang="en-IN" sz="2000" dirty="0">
-                <a:hlinkClick r:id="rId8"/>
+                <a:solidFill>
+                  <a:schemeClr val="accent3">
+                    <a:lumMod val="75000"/>
+                  </a:schemeClr>
+                </a:solidFill>
+                <a:latin typeface="Trebuchet MS" panose="020B0703020202090204" pitchFamily="34" charset="0"/>
+                <a:hlinkClick r:id="rId8">
+                  <a:extLst>
+                    <a:ext uri="{A12FA001-AC4F-418D-AE19-62706E023703}">
+                      <ahyp:hlinkClr xmlns:ahyp="http://schemas.microsoft.com/office/drawing/2018/hyperlinkcolor" val="tx"/>
+                    </a:ext>
+                  </a:extLst>
+                </a:hlinkClick>
               </a:rPr>
               <a:t>http://s3.sitepoint.com/examples/git-project-changes.pdf</a:t>
             </a:r>
-            <a:endParaRPr sz="2000">
+            <a:endParaRPr sz="2000" dirty="0">
               <a:solidFill>
-                <a:schemeClr val="dk1"/>
+                <a:schemeClr val="accent3">
+                  <a:lumMod val="75000"/>
+                </a:schemeClr>
               </a:solidFill>
-              <a:latin typeface="Times New Roman"/>
+              <a:latin typeface="Trebuchet MS" panose="020B0703020202090204" pitchFamily="34" charset="0"/>
               <a:ea typeface="Times New Roman"/>
               <a:cs typeface="Times New Roman"/>
               <a:sym typeface="Times New Roman"/>
@@ -22219,7 +22297,7 @@
             </a:pPr>
             <a:r>
               <a:rPr lang="en-US" dirty="0"/>
-              <a:t>SESTOPIA UI</a:t>
+              <a:t>SESTOPIA User Interface (UI)</a:t>
             </a:r>
             <a:endParaRPr dirty="0"/>
           </a:p>
@@ -23188,19 +23266,7 @@
               <a:rPr lang="en-IN" sz="2000" dirty="0">
                 <a:latin typeface="+mn-lt"/>
               </a:rPr>
-              <a:t>We had the concern of making </a:t>
-            </a:r>
-            <a:r>
-              <a:rPr lang="en-IN" sz="2000" dirty="0" err="1">
-                <a:latin typeface="+mn-lt"/>
-              </a:rPr>
-              <a:t>Sestopia</a:t>
-            </a:r>
-            <a:r>
-              <a:rPr lang="en-IN" sz="2000" dirty="0">
-                <a:latin typeface="+mn-lt"/>
-              </a:rPr>
-              <a:t> website compatible with most of the common browsers such as Google Chrome, Mozilla Firefox, Safari, Internet Explorer (IE).</a:t>
+              <a:t>We had the concern of making SESTOPIA website compatible with most of the common browsers such as Google Chrome, Mozilla Firefox, Safari, Internet Explorer (IE).</a:t>
             </a:r>
           </a:p>
           <a:p>
